--- a/week4&5/Applied Data Science Final Report.pptx
+++ b/week4&5/Applied Data Science Final Report.pptx
@@ -17,6 +17,7 @@
     <p:sldId id="262" r:id="rId11"/>
     <p:sldId id="263" r:id="rId12"/>
     <p:sldId id="264" r:id="rId13"/>
+    <p:sldId id="265" r:id="rId14"/>
   </p:sldIdLst>
   <p:sldSz cy="5143500" cx="9144000"/>
   <p:notesSz cx="6858000" cy="9144000"/>
@@ -775,6 +776,105 @@
 </p:notes>
 </file>
 
+<file path=ppt/notesSlides/notesSlide10.xml><?xml version="1.0" encoding="utf-8"?>
+<p:notes xmlns:a="http://schemas.openxmlformats.org/drawingml/2006/main" xmlns:r="http://schemas.openxmlformats.org/officeDocument/2006/relationships" xmlns:mc="http://schemas.openxmlformats.org/markup-compatibility/2006" xmlns:mv="urn:schemas-microsoft-com:mac:vml" xmlns:p="http://schemas.openxmlformats.org/presentationml/2006/main" xmlns:c="http://schemas.openxmlformats.org/drawingml/2006/chart" xmlns:dgm="http://schemas.openxmlformats.org/drawingml/2006/diagram" xmlns:o="urn:schemas-microsoft-com:office:office" xmlns:v="urn:schemas-microsoft-com:vml" xmlns:pvml="urn:schemas-microsoft-com:office:powerpoint" xmlns:com="http://schemas.openxmlformats.org/drawingml/2006/compatibility" xmlns:p14="http://schemas.microsoft.com/office/powerpoint/2010/main" xmlns:p15="http://schemas.microsoft.com/office/powerpoint/2012/main" showMasterPhAnim="0" showMasterSp="0">
+  <p:cSld>
+    <p:spTree>
+      <p:nvGrpSpPr>
+        <p:cNvPr id="119" name="Shape 119"/>
+        <p:cNvGrpSpPr/>
+        <p:nvPr/>
+      </p:nvGrpSpPr>
+      <p:grpSpPr>
+        <a:xfrm>
+          <a:off x="0" y="0"/>
+          <a:ext cx="0" cy="0"/>
+          <a:chOff x="0" y="0"/>
+          <a:chExt cx="0" cy="0"/>
+        </a:xfrm>
+      </p:grpSpPr>
+      <p:sp>
+        <p:nvSpPr>
+          <p:cNvPr id="120" name="Google Shape;120;g4c353fca7a_0_15:notes"/>
+          <p:cNvSpPr/>
+          <p:nvPr>
+            <p:ph idx="2" type="sldImg"/>
+          </p:nvPr>
+        </p:nvSpPr>
+        <p:spPr>
+          <a:xfrm>
+            <a:off x="381300" y="685800"/>
+            <a:ext cx="6096000" cy="3429000"/>
+          </a:xfrm>
+          <a:custGeom>
+            <a:rect b="b" l="l" r="r" t="t"/>
+            <a:pathLst>
+              <a:path extrusionOk="0" h="120000" w="120000">
+                <a:moveTo>
+                  <a:pt x="0" y="0"/>
+                </a:moveTo>
+                <a:lnTo>
+                  <a:pt x="120000" y="0"/>
+                </a:lnTo>
+                <a:lnTo>
+                  <a:pt x="120000" y="120000"/>
+                </a:lnTo>
+                <a:lnTo>
+                  <a:pt x="0" y="120000"/>
+                </a:lnTo>
+                <a:close/>
+              </a:path>
+            </a:pathLst>
+          </a:custGeom>
+        </p:spPr>
+      </p:sp>
+      <p:sp>
+        <p:nvSpPr>
+          <p:cNvPr id="121" name="Google Shape;121;g4c353fca7a_0_15:notes"/>
+          <p:cNvSpPr txBox="1"/>
+          <p:nvPr>
+            <p:ph idx="1" type="body"/>
+          </p:nvPr>
+        </p:nvSpPr>
+        <p:spPr>
+          <a:xfrm>
+            <a:off x="685800" y="4343400"/>
+            <a:ext cx="5486400" cy="4114800"/>
+          </a:xfrm>
+          <a:prstGeom prst="rect">
+            <a:avLst/>
+          </a:prstGeom>
+        </p:spPr>
+        <p:txBody>
+          <a:bodyPr anchorCtr="0" anchor="t" bIns="91425" lIns="91425" spcFirstLastPara="1" rIns="91425" wrap="square" tIns="91425">
+            <a:noAutofit/>
+          </a:bodyPr>
+          <a:lstStyle/>
+          <a:p>
+            <a:pPr indent="0" lvl="0" marL="0" rtl="0" algn="l">
+              <a:spcBef>
+                <a:spcPts val="0"/>
+              </a:spcBef>
+              <a:spcAft>
+                <a:spcPts val="0"/>
+              </a:spcAft>
+              <a:buNone/>
+            </a:pPr>
+            <a:r>
+              <a:t/>
+            </a:r>
+            <a:endParaRPr/>
+          </a:p>
+        </p:txBody>
+      </p:sp>
+    </p:spTree>
+  </p:cSld>
+  <p:clrMapOvr>
+    <a:masterClrMapping/>
+  </p:clrMapOvr>
+</p:notes>
+</file>
+
 <file path=ppt/notesSlides/notesSlide2.xml><?xml version="1.0" encoding="utf-8"?>
 <p:notes xmlns:a="http://schemas.openxmlformats.org/drawingml/2006/main" xmlns:r="http://schemas.openxmlformats.org/officeDocument/2006/relationships" xmlns:mc="http://schemas.openxmlformats.org/markup-compatibility/2006" xmlns:mv="urn:schemas-microsoft-com:mac:vml" xmlns:p="http://schemas.openxmlformats.org/presentationml/2006/main" xmlns:c="http://schemas.openxmlformats.org/drawingml/2006/chart" xmlns:dgm="http://schemas.openxmlformats.org/drawingml/2006/diagram" xmlns:o="urn:schemas-microsoft-com:office:office" xmlns:v="urn:schemas-microsoft-com:vml" xmlns:pvml="urn:schemas-microsoft-com:office:powerpoint" xmlns:com="http://schemas.openxmlformats.org/drawingml/2006/compatibility" xmlns:p14="http://schemas.microsoft.com/office/powerpoint/2010/main" xmlns:p15="http://schemas.microsoft.com/office/powerpoint/2012/main" showMasterPhAnim="0" showMasterSp="0">
   <p:cSld>
@@ -1487,7 +1587,7 @@
       </p:grpSpPr>
       <p:sp>
         <p:nvSpPr>
-          <p:cNvPr id="114" name="Google Shape;114;g4c353fca7a_0_15:notes"/>
+          <p:cNvPr id="114" name="Google Shape;114;g4d55b8c9c1_0_22:notes"/>
           <p:cNvSpPr/>
           <p:nvPr>
             <p:ph idx="2" type="sldImg"/>
@@ -1522,7 +1622,7 @@
       </p:sp>
       <p:sp>
         <p:nvSpPr>
-          <p:cNvPr id="115" name="Google Shape;115;g4c353fca7a_0_15:notes"/>
+          <p:cNvPr id="115" name="Google Shape;115;g4d55b8c9c1_0_22:notes"/>
           <p:cNvSpPr txBox="1"/>
           <p:nvPr>
             <p:ph idx="1" type="body"/>
@@ -6281,6 +6381,177 @@
 </p:sld>
 </file>
 
+<file path=ppt/slides/slide10.xml><?xml version="1.0" encoding="utf-8"?>
+<p:sld xmlns:a="http://schemas.openxmlformats.org/drawingml/2006/main" xmlns:r="http://schemas.openxmlformats.org/officeDocument/2006/relationships" xmlns:mc="http://schemas.openxmlformats.org/markup-compatibility/2006" xmlns:mv="urn:schemas-microsoft-com:mac:vml" xmlns:p="http://schemas.openxmlformats.org/presentationml/2006/main" xmlns:c="http://schemas.openxmlformats.org/drawingml/2006/chart" xmlns:dgm="http://schemas.openxmlformats.org/drawingml/2006/diagram" xmlns:o="urn:schemas-microsoft-com:office:office" xmlns:v="urn:schemas-microsoft-com:vml" xmlns:pvml="urn:schemas-microsoft-com:office:powerpoint" xmlns:com="http://schemas.openxmlformats.org/drawingml/2006/compatibility" xmlns:p14="http://schemas.microsoft.com/office/powerpoint/2010/main" xmlns:p15="http://schemas.microsoft.com/office/powerpoint/2012/main">
+  <p:cSld>
+    <p:spTree>
+      <p:nvGrpSpPr>
+        <p:cNvPr id="122" name="Shape 122"/>
+        <p:cNvGrpSpPr/>
+        <p:nvPr/>
+      </p:nvGrpSpPr>
+      <p:grpSpPr>
+        <a:xfrm>
+          <a:off x="0" y="0"/>
+          <a:ext cx="0" cy="0"/>
+          <a:chOff x="0" y="0"/>
+          <a:chExt cx="0" cy="0"/>
+        </a:xfrm>
+      </p:grpSpPr>
+      <p:sp>
+        <p:nvSpPr>
+          <p:cNvPr id="123" name="Google Shape;123;p22"/>
+          <p:cNvSpPr txBox="1"/>
+          <p:nvPr>
+            <p:ph type="title"/>
+          </p:nvPr>
+        </p:nvSpPr>
+        <p:spPr>
+          <a:xfrm>
+            <a:off x="311700" y="445025"/>
+            <a:ext cx="8520600" cy="572700"/>
+          </a:xfrm>
+          <a:prstGeom prst="rect">
+            <a:avLst/>
+          </a:prstGeom>
+        </p:spPr>
+        <p:txBody>
+          <a:bodyPr anchorCtr="0" anchor="t" bIns="91425" lIns="91425" spcFirstLastPara="1" rIns="91425" wrap="square" tIns="91425">
+            <a:noAutofit/>
+          </a:bodyPr>
+          <a:lstStyle/>
+          <a:p>
+            <a:pPr indent="0" lvl="0" marL="0" rtl="0" algn="l">
+              <a:spcBef>
+                <a:spcPts val="0"/>
+              </a:spcBef>
+              <a:spcAft>
+                <a:spcPts val="0"/>
+              </a:spcAft>
+              <a:buNone/>
+            </a:pPr>
+            <a:r>
+              <a:rPr lang="ja"/>
+              <a:t>Conclusion</a:t>
+            </a:r>
+            <a:endParaRPr/>
+          </a:p>
+        </p:txBody>
+      </p:sp>
+      <p:sp>
+        <p:nvSpPr>
+          <p:cNvPr id="124" name="Google Shape;124;p22"/>
+          <p:cNvSpPr txBox="1"/>
+          <p:nvPr>
+            <p:ph idx="1" type="body"/>
+          </p:nvPr>
+        </p:nvSpPr>
+        <p:spPr>
+          <a:xfrm>
+            <a:off x="311700" y="1152475"/>
+            <a:ext cx="8520600" cy="3416400"/>
+          </a:xfrm>
+          <a:prstGeom prst="rect">
+            <a:avLst/>
+          </a:prstGeom>
+        </p:spPr>
+        <p:txBody>
+          <a:bodyPr anchorCtr="0" anchor="t" bIns="91425" lIns="91425" spcFirstLastPara="1" rIns="91425" wrap="square" tIns="91425">
+            <a:noAutofit/>
+          </a:bodyPr>
+          <a:lstStyle/>
+          <a:p>
+            <a:pPr indent="0" lvl="0" marL="0" rtl="0" algn="l">
+              <a:spcBef>
+                <a:spcPts val="0"/>
+              </a:spcBef>
+              <a:spcAft>
+                <a:spcPts val="0"/>
+              </a:spcAft>
+              <a:buNone/>
+            </a:pPr>
+            <a:r>
+              <a:rPr lang="ja"/>
+              <a:t>The below is the conclusion:</a:t>
+            </a:r>
+            <a:endParaRPr/>
+          </a:p>
+          <a:p>
+            <a:pPr indent="-342900" lvl="0" marL="457200" rtl="0" algn="l">
+              <a:spcBef>
+                <a:spcPts val="1600"/>
+              </a:spcBef>
+              <a:spcAft>
+                <a:spcPts val="0"/>
+              </a:spcAft>
+              <a:buSzPts val="1800"/>
+              <a:buChar char="-"/>
+            </a:pPr>
+            <a:r>
+              <a:rPr lang="ja"/>
+              <a:t>We can cluster station areas in Tokyo into 6 groups.</a:t>
+            </a:r>
+            <a:endParaRPr/>
+          </a:p>
+          <a:p>
+            <a:pPr indent="-342900" lvl="0" marL="457200" rtl="0" algn="l">
+              <a:spcBef>
+                <a:spcPts val="0"/>
+              </a:spcBef>
+              <a:spcAft>
+                <a:spcPts val="0"/>
+              </a:spcAft>
+              <a:buSzPts val="1800"/>
+              <a:buChar char="-"/>
+            </a:pPr>
+            <a:r>
+              <a:rPr lang="ja"/>
+              <a:t>Central areas can be grouped as eating, living, hanging out and drinking areas</a:t>
+            </a:r>
+            <a:endParaRPr/>
+          </a:p>
+          <a:p>
+            <a:pPr indent="-342900" lvl="0" marL="457200" rtl="0" algn="l">
+              <a:spcBef>
+                <a:spcPts val="0"/>
+              </a:spcBef>
+              <a:spcAft>
+                <a:spcPts val="0"/>
+              </a:spcAft>
+              <a:buSzPts val="1800"/>
+              <a:buChar char="-"/>
+            </a:pPr>
+            <a:r>
+              <a:rPr lang="ja"/>
+              <a:t>For further research, it would be good if we consider relations between venue categories.</a:t>
+            </a:r>
+            <a:endParaRPr/>
+          </a:p>
+          <a:p>
+            <a:pPr indent="0" lvl="0" marL="0" rtl="0" algn="l">
+              <a:spcBef>
+                <a:spcPts val="1600"/>
+              </a:spcBef>
+              <a:spcAft>
+                <a:spcPts val="1600"/>
+              </a:spcAft>
+              <a:buNone/>
+            </a:pPr>
+            <a:r>
+              <a:t/>
+            </a:r>
+            <a:endParaRPr/>
+          </a:p>
+        </p:txBody>
+      </p:sp>
+    </p:spTree>
+  </p:cSld>
+  <p:clrMapOvr>
+    <a:masterClrMapping/>
+  </p:clrMapOvr>
+</p:sld>
+</file>
+
 <file path=ppt/slides/slide2.xml><?xml version="1.0" encoding="utf-8"?>
 <p:sld xmlns:a="http://schemas.openxmlformats.org/drawingml/2006/main" xmlns:r="http://schemas.openxmlformats.org/officeDocument/2006/relationships" xmlns:mc="http://schemas.openxmlformats.org/markup-compatibility/2006" xmlns:mv="urn:schemas-microsoft-com:mac:vml" xmlns:p="http://schemas.openxmlformats.org/presentationml/2006/main" xmlns:c="http://schemas.openxmlformats.org/drawingml/2006/chart" xmlns:dgm="http://schemas.openxmlformats.org/drawingml/2006/diagram" xmlns:o="urn:schemas-microsoft-com:office:office" xmlns:v="urn:schemas-microsoft-com:vml" xmlns:pvml="urn:schemas-microsoft-com:office:powerpoint" xmlns:com="http://schemas.openxmlformats.org/drawingml/2006/compatibility" xmlns:p14="http://schemas.microsoft.com/office/powerpoint/2010/main" xmlns:p15="http://schemas.microsoft.com/office/powerpoint/2012/main">
   <p:cSld>
@@ -7929,7 +8200,7 @@
             </a:pPr>
             <a:r>
               <a:rPr lang="ja"/>
-              <a:t>Discussion</a:t>
+              <a:t>Discussion - Findings</a:t>
             </a:r>
             <a:endParaRPr/>
           </a:p>
@@ -7970,7 +8241,7 @@
             </a:pPr>
             <a:r>
               <a:rPr lang="ja"/>
-              <a:t>As we discussed in the results, we could cluster tokyo areas into 5 groups.</a:t>
+              <a:t>As we discussed in the results, we could cluster tokyo areas into 6 groups.</a:t>
             </a:r>
             <a:endParaRPr/>
           </a:p>
@@ -7987,7 +8258,7 @@
             </a:pPr>
             <a:r>
               <a:rPr lang="ja"/>
-              <a:t>However, we could not cluster the areas considering relations between categories of venues. For example, Ramen Restaurants and Japanese Restaurants seem to be closely related, but my model clustered the areas without considering these kind of relations.</a:t>
+              <a:t>Even Central areas, places for hanging out, drinking, eating and living are different.</a:t>
             </a:r>
             <a:endParaRPr/>
           </a:p>
@@ -8004,7 +8275,7 @@
             </a:pPr>
             <a:r>
               <a:rPr lang="ja"/>
-              <a:t>Therefore, with considering relations of categories, we can further cluster the areas based on venue category information. We may be able to do this using Natural Language Processing.</a:t>
+              <a:t>Based on our findings, Real Estate Agent can make a suggestion to their customer.</a:t>
             </a:r>
             <a:endParaRPr/>
           </a:p>
@@ -8069,7 +8340,7 @@
             </a:pPr>
             <a:r>
               <a:rPr lang="ja"/>
-              <a:t>Conclusion</a:t>
+              <a:t>Discussion - Further Research</a:t>
             </a:r>
             <a:endParaRPr/>
           </a:p>
@@ -8098,33 +8369,36 @@
           </a:bodyPr>
           <a:lstStyle/>
           <a:p>
-            <a:pPr indent="0" lvl="0" marL="0" rtl="0" algn="l">
-              <a:spcBef>
-                <a:spcPts val="0"/>
-              </a:spcBef>
-              <a:spcAft>
-                <a:spcPts val="0"/>
-              </a:spcAft>
-              <a:buNone/>
+            <a:pPr indent="-342900" lvl="0" marL="457200" rtl="0" algn="l">
+              <a:spcBef>
+                <a:spcPts val="0"/>
+              </a:spcBef>
+              <a:spcAft>
+                <a:spcPts val="0"/>
+              </a:spcAft>
+              <a:buSzPts val="1800"/>
+              <a:buChar char="-"/>
             </a:pPr>
             <a:r>
               <a:rPr lang="ja"/>
-              <a:t>The below is the conclusion:</a:t>
+              <a:t>However, we could not cluster the areas considering relations between categories of venues. For example, Ramen Restaurants and Japanese Restaurants seem to be closely related, but my model clustered the areas without considering these kind of relations.</a:t>
             </a:r>
             <a:endParaRPr/>
           </a:p>
           <a:p>
-            <a:pPr indent="0" lvl="0" marL="0" rtl="0" algn="l">
-              <a:spcBef>
-                <a:spcPts val="1600"/>
-              </a:spcBef>
-              <a:spcAft>
-                <a:spcPts val="1600"/>
-              </a:spcAft>
-              <a:buNone/>
+            <a:pPr indent="-342900" lvl="0" marL="457200" rtl="0" algn="l">
+              <a:spcBef>
+                <a:spcPts val="0"/>
+              </a:spcBef>
+              <a:spcAft>
+                <a:spcPts val="0"/>
+              </a:spcAft>
+              <a:buSzPts val="1800"/>
+              <a:buChar char="-"/>
             </a:pPr>
             <a:r>
-              <a:t/>
+              <a:rPr lang="ja"/>
+              <a:t>Therefore, with considering relations of categories, we can further cluster the areas based on venue category information. We may be able to do this using Natural Language Processing.</a:t>
             </a:r>
             <a:endParaRPr/>
           </a:p>
